--- a/vis_and_analysis_Group_A184.pptx
+++ b/vis_and_analysis_Group_A184.pptx
@@ -5682,7 +5682,7 @@
         <p:spPr>
           <a:xfrm>
             <a:off x="965289" y="1021854"/>
-            <a:ext cx="10059465" cy="2116201"/>
+            <a:ext cx="10059465" cy="1981119"/>
           </a:xfrm>
           <a:solidFill>
             <a:srgbClr val="FFFF00"/>
@@ -5731,10 +5731,10 @@
       </p:sp>
       <p:pic>
         <p:nvPicPr>
-          <p:cNvPr id="6" name="Picture 5">
-            <a:extLst>
-              <a:ext uri="{FF2B5EF4-FFF2-40B4-BE49-F238E27FC236}">
-                <a16:creationId xmlns:a16="http://schemas.microsoft.com/office/drawing/2014/main" id="{EE5023FF-B5C5-A39C-DC8F-FEFD8D4264F1}"/>
+          <p:cNvPr id="5" name="Picture 4">
+            <a:extLst>
+              <a:ext uri="{FF2B5EF4-FFF2-40B4-BE49-F238E27FC236}">
+                <a16:creationId xmlns:a16="http://schemas.microsoft.com/office/drawing/2014/main" id="{9809EDB3-8B47-DA06-215A-778EF9204FA1}"/>
               </a:ext>
             </a:extLst>
           </p:cNvPr>
@@ -5757,8 +5757,8 @@
         </p:blipFill>
         <p:spPr>
           <a:xfrm>
-            <a:off x="954898" y="3368887"/>
-            <a:ext cx="6642955" cy="3305652"/>
+            <a:off x="954898" y="3002973"/>
+            <a:ext cx="6485182" cy="3709555"/>
           </a:xfrm>
           <a:prstGeom prst="rect">
             <a:avLst/>
@@ -7361,23 +7361,6 @@
 </file>
 
 <file path=customXml/item1.xml><?xml version="1.0" encoding="utf-8"?>
-<p:properties xmlns:p="http://schemas.microsoft.com/office/2006/metadata/properties" xmlns:xsi="http://www.w3.org/2001/XMLSchema-instance" xmlns:pc="http://schemas.microsoft.com/office/infopath/2007/PartnerControls">
-  <documentManagement>
-    <Information xmlns="4ad138b4-2b68-4b70-945d-07f8f18b1c9a" xsi:nil="true"/>
-  </documentManagement>
-</p:properties>
-</file>
-
-<file path=customXml/item2.xml><?xml version="1.0" encoding="utf-8"?>
-<?mso-contentType ?>
-<FormTemplates xmlns="http://schemas.microsoft.com/sharepoint/v3/contenttype/forms">
-  <Display>DocumentLibraryForm</Display>
-  <Edit>DocumentLibraryForm</Edit>
-  <New>DocumentLibraryForm</New>
-</FormTemplates>
-</file>
-
-<file path=customXml/item3.xml><?xml version="1.0" encoding="utf-8"?>
 <ct:contentTypeSchema xmlns:ct="http://schemas.microsoft.com/office/2006/metadata/contentType" xmlns:ma="http://schemas.microsoft.com/office/2006/metadata/properties/metaAttributes" ct:_="" ma:_="" ma:contentTypeName="Document" ma:contentTypeID="0x01010026DBA85F447B164191BB36C258697B67" ma:contentTypeVersion="14" ma:contentTypeDescription="Create a new document." ma:contentTypeScope="" ma:versionID="ea511d05ca7f895fe9556935b5c9af34">
   <xsd:schema xmlns:xsd="http://www.w3.org/2001/XMLSchema" xmlns:xs="http://www.w3.org/2001/XMLSchema" xmlns:p="http://schemas.microsoft.com/office/2006/metadata/properties" xmlns:ns2="4ad138b4-2b68-4b70-945d-07f8f18b1c9a" xmlns:ns3="3c474641-ec36-472f-b125-6b1b0910eaa4" targetNamespace="http://schemas.microsoft.com/office/2006/metadata/properties" ma:root="true" ma:fieldsID="662270106d7a7e100bcac2c5f8d29899" ns2:_="" ns3:_="">
     <xsd:import namespace="4ad138b4-2b68-4b70-945d-07f8f18b1c9a"/>
@@ -7602,32 +7585,24 @@
 </ct:contentTypeSchema>
 </file>
 
-<file path=customXml/itemProps1.xml><?xml version="1.0" encoding="utf-8"?>
-<ds:datastoreItem xmlns:ds="http://schemas.openxmlformats.org/officeDocument/2006/customXml" ds:itemID="{EDD1FC41-23C7-41B0-B5F9-BF4CD38AD2ED}">
-  <ds:schemaRefs>
-    <ds:schemaRef ds:uri="3c474641-ec36-472f-b125-6b1b0910eaa4"/>
-    <ds:schemaRef ds:uri="4ad138b4-2b68-4b70-945d-07f8f18b1c9a"/>
-    <ds:schemaRef ds:uri="http://purl.org/dc/dcmitype/"/>
-    <ds:schemaRef ds:uri="http://purl.org/dc/elements/1.1/"/>
-    <ds:schemaRef ds:uri="http://purl.org/dc/terms/"/>
-    <ds:schemaRef ds:uri="http://schemas.microsoft.com/office/2006/documentManagement/types"/>
-    <ds:schemaRef ds:uri="http://schemas.microsoft.com/office/2006/metadata/properties"/>
-    <ds:schemaRef ds:uri="http://schemas.microsoft.com/office/infopath/2007/PartnerControls"/>
-    <ds:schemaRef ds:uri="http://schemas.openxmlformats.org/package/2006/metadata/core-properties"/>
-    <ds:schemaRef ds:uri="http://www.w3.org/XML/1998/namespace"/>
-  </ds:schemaRefs>
-</ds:datastoreItem>
+<file path=customXml/item2.xml><?xml version="1.0" encoding="utf-8"?>
+<?mso-contentType ?>
+<FormTemplates xmlns="http://schemas.microsoft.com/sharepoint/v3/contenttype/forms">
+  <Display>DocumentLibraryForm</Display>
+  <Edit>DocumentLibraryForm</Edit>
+  <New>DocumentLibraryForm</New>
+</FormTemplates>
 </file>
 
-<file path=customXml/itemProps2.xml><?xml version="1.0" encoding="utf-8"?>
-<ds:datastoreItem xmlns:ds="http://schemas.openxmlformats.org/officeDocument/2006/customXml" ds:itemID="{91C521DD-2673-4EE6-BB9B-DC5C3320FFBB}">
-  <ds:schemaRefs>
-    <ds:schemaRef ds:uri="http://schemas.microsoft.com/sharepoint/v3/contenttype/forms"/>
-  </ds:schemaRefs>
-</ds:datastoreItem>
+<file path=customXml/item3.xml><?xml version="1.0" encoding="utf-8"?>
+<p:properties xmlns:p="http://schemas.microsoft.com/office/2006/metadata/properties" xmlns:xsi="http://www.w3.org/2001/XMLSchema-instance" xmlns:pc="http://schemas.microsoft.com/office/infopath/2007/PartnerControls">
+  <documentManagement>
+    <Information xmlns="4ad138b4-2b68-4b70-945d-07f8f18b1c9a" xsi:nil="true"/>
+  </documentManagement>
+</p:properties>
 </file>
 
-<file path=customXml/itemProps3.xml><?xml version="1.0" encoding="utf-8"?>
+<file path=customXml/itemProps1.xml><?xml version="1.0" encoding="utf-8"?>
 <ds:datastoreItem xmlns:ds="http://schemas.openxmlformats.org/officeDocument/2006/customXml" ds:itemID="{421B8C57-903D-4D0E-8336-7B512F760CD1}">
   <ds:schemaRefs>
     <ds:schemaRef ds:uri="3c474641-ec36-472f-b125-6b1b0910eaa4"/>
@@ -7644,4 +7619,29 @@
     <ds:schemaRef ds:uri="http://www.w3.org/2001/XMLSchema"/>
   </ds:schemaRefs>
 </ds:datastoreItem>
+</file>
+
+<file path=customXml/itemProps2.xml><?xml version="1.0" encoding="utf-8"?>
+<ds:datastoreItem xmlns:ds="http://schemas.openxmlformats.org/officeDocument/2006/customXml" ds:itemID="{91C521DD-2673-4EE6-BB9B-DC5C3320FFBB}">
+  <ds:schemaRefs>
+    <ds:schemaRef ds:uri="http://schemas.microsoft.com/sharepoint/v3/contenttype/forms"/>
+  </ds:schemaRefs>
+</ds:datastoreItem>
+</file>
+
+<file path=customXml/itemProps3.xml><?xml version="1.0" encoding="utf-8"?>
+<ds:datastoreItem xmlns:ds="http://schemas.openxmlformats.org/officeDocument/2006/customXml" ds:itemID="{EDD1FC41-23C7-41B0-B5F9-BF4CD38AD2ED}">
+  <ds:schemaRefs>
+    <ds:schemaRef ds:uri="3c474641-ec36-472f-b125-6b1b0910eaa4"/>
+    <ds:schemaRef ds:uri="4ad138b4-2b68-4b70-945d-07f8f18b1c9a"/>
+    <ds:schemaRef ds:uri="http://purl.org/dc/dcmitype/"/>
+    <ds:schemaRef ds:uri="http://purl.org/dc/elements/1.1/"/>
+    <ds:schemaRef ds:uri="http://purl.org/dc/terms/"/>
+    <ds:schemaRef ds:uri="http://schemas.microsoft.com/office/2006/documentManagement/types"/>
+    <ds:schemaRef ds:uri="http://schemas.microsoft.com/office/2006/metadata/properties"/>
+    <ds:schemaRef ds:uri="http://schemas.microsoft.com/office/infopath/2007/PartnerControls"/>
+    <ds:schemaRef ds:uri="http://schemas.openxmlformats.org/package/2006/metadata/core-properties"/>
+    <ds:schemaRef ds:uri="http://www.w3.org/XML/1998/namespace"/>
+  </ds:schemaRefs>
+</ds:datastoreItem>
 </file>